--- a/Docs/Elastic Search分享.pptx
+++ b/Docs/Elastic Search分享.pptx
@@ -5,13 +5,15 @@
     <p:sldMasterId id="2147483648" r:id="rId1"/>
   </p:sldMasterIdLst>
   <p:notesMasterIdLst>
-    <p:notesMasterId r:id="rId6"/>
+    <p:notesMasterId r:id="rId8"/>
   </p:notesMasterIdLst>
   <p:sldIdLst>
     <p:sldId id="256" r:id="rId2"/>
     <p:sldId id="257" r:id="rId3"/>
     <p:sldId id="258" r:id="rId4"/>
-    <p:sldId id="259" r:id="rId5"/>
+    <p:sldId id="260" r:id="rId5"/>
+    <p:sldId id="259" r:id="rId6"/>
+    <p:sldId id="261" r:id="rId7"/>
   </p:sldIdLst>
   <p:sldSz cx="12192000" cy="6858000"/>
   <p:notesSz cx="6858000" cy="9144000"/>
@@ -3509,7 +3511,7 @@
         <p:spPr>
           <a:xfrm>
             <a:off x="139338" y="1062446"/>
-            <a:ext cx="9164974" cy="5721530"/>
+            <a:ext cx="7397164" cy="4617918"/>
           </a:xfrm>
           <a:prstGeom prst="rect">
             <a:avLst/>
@@ -3547,6 +3549,119 @@
               <a:t>示例</a:t>
             </a:r>
             <a:endParaRPr lang="zh-CN" altLang="en-US" sz="2800" b="1" dirty="0"/>
+          </a:p>
+        </p:txBody>
+      </p:sp>
+      <p:sp>
+        <p:nvSpPr>
+          <p:cNvPr id="7" name="文本框 6"/>
+          <p:cNvSpPr txBox="1"/>
+          <p:nvPr/>
+        </p:nvSpPr>
+        <p:spPr>
+          <a:xfrm>
+            <a:off x="6442364" y="1036320"/>
+            <a:ext cx="5749636" cy="3737946"/>
+          </a:xfrm>
+          <a:prstGeom prst="rect">
+            <a:avLst/>
+          </a:prstGeom>
+          <a:noFill/>
+        </p:spPr>
+        <p:txBody>
+          <a:bodyPr wrap="square" rtlCol="0">
+            <a:spAutoFit/>
+          </a:bodyPr>
+          <a:lstStyle/>
+          <a:p>
+            <a:pPr>
+              <a:lnSpc>
+                <a:spcPct val="150000"/>
+              </a:lnSpc>
+            </a:pPr>
+            <a:r>
+              <a:rPr lang="zh-CN" altLang="en-US" sz="2000" dirty="0" smtClean="0"/>
+              <a:t>示例的业务需求：</a:t>
+            </a:r>
+            <a:endParaRPr lang="en-US" altLang="zh-CN" sz="2000" dirty="0" smtClean="0"/>
+          </a:p>
+          <a:p>
+            <a:pPr marL="285750" indent="-285750">
+              <a:lnSpc>
+                <a:spcPct val="150000"/>
+              </a:lnSpc>
+              <a:buFont typeface="Arial" panose="020B0604020202020204" pitchFamily="34" charset="0"/>
+              <a:buChar char="•"/>
+            </a:pPr>
+            <a:r>
+              <a:rPr lang="zh-CN" altLang="en-US" sz="2000" dirty="0" smtClean="0"/>
+              <a:t>支持包含多值标签、数值、日期、以及全文本数据</a:t>
+            </a:r>
+            <a:endParaRPr lang="en-US" altLang="zh-CN" sz="2000" dirty="0" smtClean="0"/>
+          </a:p>
+          <a:p>
+            <a:pPr marL="285750" indent="-285750">
+              <a:lnSpc>
+                <a:spcPct val="150000"/>
+              </a:lnSpc>
+              <a:buFont typeface="Arial" panose="020B0604020202020204" pitchFamily="34" charset="0"/>
+              <a:buChar char="•"/>
+            </a:pPr>
+            <a:r>
+              <a:rPr lang="zh-CN" altLang="en-US" sz="2000" dirty="0" smtClean="0"/>
+              <a:t>检索任一文库的完整信息</a:t>
+            </a:r>
+            <a:endParaRPr lang="en-US" altLang="zh-CN" sz="2000" dirty="0" smtClean="0"/>
+          </a:p>
+          <a:p>
+            <a:pPr marL="285750" indent="-285750">
+              <a:lnSpc>
+                <a:spcPct val="150000"/>
+              </a:lnSpc>
+              <a:buFont typeface="Arial" panose="020B0604020202020204" pitchFamily="34" charset="0"/>
+              <a:buChar char="•"/>
+            </a:pPr>
+            <a:r>
+              <a:rPr lang="zh-CN" altLang="en-US" sz="2000" dirty="0" smtClean="0"/>
+              <a:t>允许结构化搜索，比如查询某时间范围的文库</a:t>
+            </a:r>
+            <a:endParaRPr lang="en-US" altLang="zh-CN" sz="2000" dirty="0" smtClean="0"/>
+          </a:p>
+          <a:p>
+            <a:pPr marL="285750" indent="-285750">
+              <a:lnSpc>
+                <a:spcPct val="150000"/>
+              </a:lnSpc>
+              <a:buFont typeface="Arial" panose="020B0604020202020204" pitchFamily="34" charset="0"/>
+              <a:buChar char="•"/>
+            </a:pPr>
+            <a:r>
+              <a:rPr lang="zh-CN" altLang="en-US" sz="2000" dirty="0" smtClean="0"/>
+              <a:t>允许简单的全文搜索</a:t>
+            </a:r>
+            <a:endParaRPr lang="en-US" altLang="zh-CN" sz="2000" dirty="0" smtClean="0"/>
+          </a:p>
+          <a:p>
+            <a:pPr marL="285750" indent="-285750">
+              <a:lnSpc>
+                <a:spcPct val="150000"/>
+              </a:lnSpc>
+              <a:buFont typeface="Arial" panose="020B0604020202020204" pitchFamily="34" charset="0"/>
+              <a:buChar char="•"/>
+            </a:pPr>
+            <a:r>
+              <a:rPr lang="zh-CN" altLang="en-US" sz="2000" dirty="0" smtClean="0"/>
+              <a:t>支持在匹配文档的内容中高亮显示搜索片段</a:t>
+            </a:r>
+            <a:endParaRPr lang="en-US" altLang="zh-CN" sz="2000" dirty="0" smtClean="0"/>
+          </a:p>
+          <a:p>
+            <a:pPr>
+              <a:lnSpc>
+                <a:spcPct val="150000"/>
+              </a:lnSpc>
+            </a:pPr>
+            <a:endParaRPr lang="zh-CN" altLang="en-US" sz="2000" dirty="0"/>
           </a:p>
         </p:txBody>
       </p:sp>
@@ -4118,11 +4233,11 @@
           </a:p>
           <a:p>
             <a:r>
-              <a:rPr lang="zh-CN" altLang="en-US" sz="1800" dirty="0" smtClean="0"/>
+              <a:rPr lang="zh-CN" altLang="en-US" sz="1800" strike="sngStrike" dirty="0" smtClean="0"/>
               <a:t>类型 </a:t>
             </a:r>
             <a:r>
-              <a:rPr lang="en-US" altLang="zh-CN" sz="1800" dirty="0" smtClean="0"/>
+              <a:rPr lang="en-US" altLang="zh-CN" sz="1800" strike="sngStrike" dirty="0" smtClean="0"/>
               <a:t>Article </a:t>
             </a:r>
           </a:p>
@@ -4236,35 +4351,324 @@
           <a:lstStyle/>
           <a:p>
             <a:r>
+              <a:rPr lang="zh-CN" altLang="en-US" dirty="0"/>
+              <a:t>安装</a:t>
+            </a:r>
+          </a:p>
+        </p:txBody>
+      </p:sp>
+      <p:sp>
+        <p:nvSpPr>
+          <p:cNvPr id="3" name="内容占位符 2"/>
+          <p:cNvSpPr>
+            <a:spLocks noGrp="1"/>
+          </p:cNvSpPr>
+          <p:nvPr>
+            <p:ph idx="1"/>
+          </p:nvPr>
+        </p:nvSpPr>
+        <p:spPr>
+          <a:xfrm>
+            <a:off x="838200" y="1825625"/>
+            <a:ext cx="9751423" cy="4351338"/>
+          </a:xfrm>
+        </p:spPr>
+        <p:txBody>
+          <a:bodyPr/>
+          <a:lstStyle/>
+          <a:p>
+            <a:pPr>
+              <a:lnSpc>
+                <a:spcPct val="200000"/>
+              </a:lnSpc>
+            </a:pPr>
+            <a:r>
+              <a:rPr lang="zh-CN" altLang="en-US" dirty="0"/>
+              <a:t>安装</a:t>
+            </a:r>
+            <a:r>
+              <a:rPr lang="zh-CN" altLang="en-US" dirty="0" smtClean="0"/>
+              <a:t>最新版本</a:t>
+            </a:r>
+            <a:r>
               <a:rPr lang="en-US" altLang="zh-CN" dirty="0" smtClean="0"/>
-              <a:t>Elastic Search</a:t>
-            </a:r>
-            <a:r>
-              <a:rPr lang="zh-CN" altLang="en-US" dirty="0"/>
-              <a:t> </a:t>
-            </a:r>
+              <a:t>Java</a:t>
+            </a:r>
+          </a:p>
+          <a:p>
+            <a:pPr>
+              <a:lnSpc>
+                <a:spcPct val="200000"/>
+              </a:lnSpc>
+            </a:pPr>
+            <a:r>
+              <a:rPr lang="zh-CN" altLang="en-US" dirty="0" smtClean="0"/>
+              <a:t>下载最新版本</a:t>
+            </a:r>
+            <a:r>
+              <a:rPr lang="en-US" altLang="zh-CN" dirty="0" smtClean="0"/>
+              <a:t>Elastic Search for windows (*.</a:t>
+            </a:r>
+            <a:r>
+              <a:rPr lang="en-US" altLang="zh-CN" dirty="0" err="1" smtClean="0"/>
+              <a:t>msi</a:t>
+            </a:r>
+            <a:r>
+              <a:rPr lang="en-US" altLang="zh-CN" dirty="0" smtClean="0"/>
+              <a:t>)</a:t>
+            </a:r>
+          </a:p>
+          <a:p>
+            <a:pPr>
+              <a:lnSpc>
+                <a:spcPct val="200000"/>
+              </a:lnSpc>
+            </a:pPr>
+            <a:r>
+              <a:rPr lang="zh-CN" altLang="en-US" dirty="0" smtClean="0"/>
+              <a:t>安装完成后，访问：</a:t>
+            </a:r>
+            <a:r>
+              <a:rPr lang="en-US" altLang="zh-CN" dirty="0" smtClean="0"/>
+              <a:t>http://localhost:9200/?pretty</a:t>
+            </a:r>
+            <a:endParaRPr lang="zh-CN" altLang="en-US" dirty="0"/>
+          </a:p>
+        </p:txBody>
+      </p:sp>
+    </p:spTree>
+    <p:extLst>
+      <p:ext uri="{BB962C8B-B14F-4D97-AF65-F5344CB8AC3E}">
+        <p14:creationId xmlns:p14="http://schemas.microsoft.com/office/powerpoint/2010/main" val="1048519427"/>
+      </p:ext>
+    </p:extLst>
+  </p:cSld>
+  <p:clrMapOvr>
+    <a:masterClrMapping/>
+  </p:clrMapOvr>
+  <p:timing>
+    <p:tnLst>
+      <p:par>
+        <p:cTn id="1" dur="indefinite" restart="never" nodeType="tmRoot"/>
+      </p:par>
+    </p:tnLst>
+  </p:timing>
+</p:sld>
+</file>
+
+<file path=ppt/slides/slide5.xml><?xml version="1.0" encoding="utf-8"?>
+<p:sld xmlns:a="http://schemas.openxmlformats.org/drawingml/2006/main" xmlns:r="http://schemas.openxmlformats.org/officeDocument/2006/relationships" xmlns:p="http://schemas.openxmlformats.org/presentationml/2006/main">
+  <p:cSld>
+    <p:spTree>
+      <p:nvGrpSpPr>
+        <p:cNvPr id="1" name=""/>
+        <p:cNvGrpSpPr/>
+        <p:nvPr/>
+      </p:nvGrpSpPr>
+      <p:grpSpPr>
+        <a:xfrm>
+          <a:off x="0" y="0"/>
+          <a:ext cx="0" cy="0"/>
+          <a:chOff x="0" y="0"/>
+          <a:chExt cx="0" cy="0"/>
+        </a:xfrm>
+      </p:grpSpPr>
+      <p:sp>
+        <p:nvSpPr>
+          <p:cNvPr id="2" name="标题 1"/>
+          <p:cNvSpPr>
+            <a:spLocks noGrp="1"/>
+          </p:cNvSpPr>
+          <p:nvPr>
+            <p:ph type="title"/>
+          </p:nvPr>
+        </p:nvSpPr>
+        <p:spPr/>
+        <p:txBody>
+          <a:bodyPr/>
+          <a:lstStyle/>
+          <a:p>
+            <a:r>
+              <a:rPr lang="zh-CN" altLang="en-US" dirty="0" smtClean="0"/>
+              <a:t>基本概念</a:t>
+            </a:r>
+            <a:endParaRPr lang="zh-CN" altLang="en-US" dirty="0"/>
+          </a:p>
+        </p:txBody>
+      </p:sp>
+      <p:sp>
+        <p:nvSpPr>
+          <p:cNvPr id="3" name="内容占位符 2"/>
+          <p:cNvSpPr>
+            <a:spLocks noGrp="1"/>
+          </p:cNvSpPr>
+          <p:nvPr>
+            <p:ph idx="1"/>
+          </p:nvPr>
+        </p:nvSpPr>
+        <p:spPr/>
+        <p:txBody>
+          <a:bodyPr/>
+          <a:lstStyle/>
+          <a:p>
+            <a:r>
+              <a:rPr lang="zh-CN" altLang="en-US" dirty="0" smtClean="0"/>
+              <a:t>集群</a:t>
+            </a:r>
+            <a:r>
+              <a:rPr lang="en-US" altLang="zh-CN" dirty="0" smtClean="0"/>
+              <a:t>(Cluster)</a:t>
+            </a:r>
+            <a:r>
+              <a:rPr lang="zh-CN" altLang="en-US" dirty="0" smtClean="0"/>
+              <a:t>、节点</a:t>
+            </a:r>
+            <a:r>
+              <a:rPr lang="en-US" altLang="zh-CN" dirty="0" smtClean="0"/>
+              <a:t>(Node)</a:t>
+            </a:r>
+            <a:r>
+              <a:rPr lang="zh-CN" altLang="en-US" dirty="0" smtClean="0"/>
+              <a:t>：本文档不作描述</a:t>
+            </a:r>
+            <a:endParaRPr lang="en-US" altLang="zh-CN" dirty="0" smtClean="0"/>
+          </a:p>
+          <a:p>
             <a:r>
               <a:rPr lang="zh-CN" altLang="en-US" dirty="0" smtClean="0"/>
               <a:t>索引</a:t>
             </a:r>
-            <a:endParaRPr lang="zh-CN" altLang="en-US" dirty="0"/>
-          </a:p>
-        </p:txBody>
-      </p:sp>
-      <p:sp>
-        <p:nvSpPr>
-          <p:cNvPr id="3" name="内容占位符 2"/>
-          <p:cNvSpPr>
-            <a:spLocks noGrp="1"/>
-          </p:cNvSpPr>
-          <p:nvPr>
-            <p:ph idx="1"/>
-          </p:nvPr>
-        </p:nvSpPr>
-        <p:spPr/>
-        <p:txBody>
-          <a:bodyPr/>
-          <a:lstStyle/>
+            <a:r>
+              <a:rPr lang="en-US" altLang="zh-CN" dirty="0" smtClean="0"/>
+              <a:t>(Index</a:t>
+            </a:r>
+            <a:r>
+              <a:rPr lang="zh-CN" altLang="en-US" dirty="0" smtClean="0"/>
+              <a:t>、复数</a:t>
+            </a:r>
+            <a:r>
+              <a:rPr lang="en-US" altLang="zh-CN" dirty="0" smtClean="0"/>
+              <a:t>Indices)</a:t>
+            </a:r>
+            <a:r>
+              <a:rPr lang="zh-CN" altLang="en-US" dirty="0" smtClean="0"/>
+              <a:t>：一个</a:t>
+            </a:r>
+            <a:r>
+              <a:rPr lang="zh-CN" altLang="en-US" dirty="0"/>
+              <a:t> </a:t>
+            </a:r>
+            <a:r>
+              <a:rPr lang="zh-CN" altLang="en-US" b="1" i="1" dirty="0">
+                <a:solidFill>
+                  <a:srgbClr val="FF0000"/>
+                </a:solidFill>
+              </a:rPr>
+              <a:t>索引</a:t>
+            </a:r>
+            <a:r>
+              <a:rPr lang="zh-CN" altLang="en-US" dirty="0"/>
+              <a:t> 类似于传统关系数据库中</a:t>
+            </a:r>
+            <a:r>
+              <a:rPr lang="zh-CN" altLang="en-US" dirty="0" smtClean="0"/>
+              <a:t>的</a:t>
+            </a:r>
+            <a:r>
+              <a:rPr lang="zh-CN" altLang="en-US" i="1" dirty="0" smtClean="0"/>
+              <a:t>数据库</a:t>
+            </a:r>
+            <a:r>
+              <a:rPr lang="zh-CN" altLang="en-US" dirty="0"/>
+              <a:t> ，是一个存储关系型文档的地方。 </a:t>
+            </a:r>
+            <a:endParaRPr lang="en-US" altLang="zh-CN" dirty="0" smtClean="0"/>
+          </a:p>
+          <a:p>
+            <a:r>
+              <a:rPr lang="zh-CN" altLang="en-US" dirty="0" smtClean="0"/>
+              <a:t>类型</a:t>
+            </a:r>
+            <a:r>
+              <a:rPr lang="en-US" altLang="zh-CN" dirty="0" smtClean="0"/>
+              <a:t>(Type)</a:t>
+            </a:r>
+            <a:r>
+              <a:rPr lang="zh-CN" altLang="en-US" dirty="0" smtClean="0"/>
+              <a:t>：</a:t>
+            </a:r>
+            <a:r>
+              <a:rPr lang="en-US" altLang="zh-CN" dirty="0" smtClean="0"/>
+              <a:t>6.0.0</a:t>
+            </a:r>
+            <a:r>
+              <a:rPr lang="zh-CN" altLang="en-US" dirty="0" smtClean="0"/>
+              <a:t>之后的版本已经弃用。</a:t>
+            </a:r>
+            <a:endParaRPr lang="en-US" altLang="zh-CN" dirty="0" smtClean="0"/>
+          </a:p>
+          <a:p>
+            <a:r>
+              <a:rPr lang="zh-CN" altLang="en-US" dirty="0" smtClean="0"/>
+              <a:t>文档</a:t>
+            </a:r>
+            <a:r>
+              <a:rPr lang="en-US" altLang="zh-CN" dirty="0" smtClean="0"/>
+              <a:t>(Document)</a:t>
+            </a:r>
+            <a:r>
+              <a:rPr lang="zh-CN" altLang="en-US" dirty="0" smtClean="0"/>
+              <a:t>：类似关系数据库中的数据行</a:t>
+            </a:r>
+            <a:r>
+              <a:rPr lang="en-US" altLang="zh-CN" dirty="0" smtClean="0"/>
+              <a:t>(Row)</a:t>
+            </a:r>
+            <a:r>
+              <a:rPr lang="zh-CN" altLang="en-US" dirty="0" smtClean="0"/>
+              <a:t>，文档是可以被索引的基本单位。在</a:t>
+            </a:r>
+            <a:r>
+              <a:rPr lang="en-US" altLang="zh-CN" dirty="0" smtClean="0"/>
+              <a:t>ES</a:t>
+            </a:r>
+            <a:r>
+              <a:rPr lang="zh-CN" altLang="en-US" dirty="0" smtClean="0"/>
+              <a:t>中，文档为结构化的</a:t>
+            </a:r>
+            <a:r>
+              <a:rPr lang="en-US" altLang="zh-CN" dirty="0" smtClean="0"/>
+              <a:t>JSON</a:t>
+            </a:r>
+            <a:r>
+              <a:rPr lang="zh-CN" altLang="en-US" dirty="0" smtClean="0"/>
+              <a:t>数据。</a:t>
+            </a:r>
+            <a:endParaRPr lang="en-US" altLang="zh-CN" dirty="0" smtClean="0"/>
+          </a:p>
+          <a:p>
+            <a:r>
+              <a:rPr lang="zh-CN" altLang="en-US" dirty="0" smtClean="0"/>
+              <a:t>分片</a:t>
+            </a:r>
+            <a:r>
+              <a:rPr lang="en-US" altLang="zh-CN" dirty="0" smtClean="0"/>
+              <a:t>(Shards)</a:t>
+            </a:r>
+            <a:r>
+              <a:rPr lang="zh-CN" altLang="en-US" dirty="0" smtClean="0"/>
+              <a:t>、复制</a:t>
+            </a:r>
+            <a:r>
+              <a:rPr lang="en-US" altLang="zh-CN" dirty="0" smtClean="0"/>
+              <a:t>(Replicas)</a:t>
+            </a:r>
+            <a:r>
+              <a:rPr lang="zh-CN" altLang="en-US" dirty="0" smtClean="0"/>
+              <a:t>：本文档不作描述</a:t>
+            </a:r>
+            <a:endParaRPr lang="en-US" altLang="zh-CN" dirty="0" smtClean="0"/>
+          </a:p>
           <a:p>
             <a:endParaRPr lang="zh-CN" altLang="en-US" dirty="0"/>
           </a:p>
@@ -4274,6 +4678,81 @@
     <p:extLst>
       <p:ext uri="{BB962C8B-B14F-4D97-AF65-F5344CB8AC3E}">
         <p14:creationId xmlns:p14="http://schemas.microsoft.com/office/powerpoint/2010/main" val="2104867944"/>
+      </p:ext>
+    </p:extLst>
+  </p:cSld>
+  <p:clrMapOvr>
+    <a:masterClrMapping/>
+  </p:clrMapOvr>
+  <p:timing>
+    <p:tnLst>
+      <p:par>
+        <p:cTn id="1" dur="indefinite" restart="never" nodeType="tmRoot"/>
+      </p:par>
+    </p:tnLst>
+  </p:timing>
+</p:sld>
+</file>
+
+<file path=ppt/slides/slide6.xml><?xml version="1.0" encoding="utf-8"?>
+<p:sld xmlns:a="http://schemas.openxmlformats.org/drawingml/2006/main" xmlns:r="http://schemas.openxmlformats.org/officeDocument/2006/relationships" xmlns:p="http://schemas.openxmlformats.org/presentationml/2006/main">
+  <p:cSld>
+    <p:spTree>
+      <p:nvGrpSpPr>
+        <p:cNvPr id="1" name=""/>
+        <p:cNvGrpSpPr/>
+        <p:nvPr/>
+      </p:nvGrpSpPr>
+      <p:grpSpPr>
+        <a:xfrm>
+          <a:off x="0" y="0"/>
+          <a:ext cx="0" cy="0"/>
+          <a:chOff x="0" y="0"/>
+          <a:chExt cx="0" cy="0"/>
+        </a:xfrm>
+      </p:grpSpPr>
+      <p:sp>
+        <p:nvSpPr>
+          <p:cNvPr id="2" name="标题 1"/>
+          <p:cNvSpPr>
+            <a:spLocks noGrp="1"/>
+          </p:cNvSpPr>
+          <p:nvPr>
+            <p:ph type="title"/>
+          </p:nvPr>
+        </p:nvSpPr>
+        <p:spPr/>
+        <p:txBody>
+          <a:bodyPr/>
+          <a:lstStyle/>
+          <a:p>
+            <a:endParaRPr lang="zh-CN" altLang="en-US" dirty="0"/>
+          </a:p>
+        </p:txBody>
+      </p:sp>
+      <p:sp>
+        <p:nvSpPr>
+          <p:cNvPr id="3" name="内容占位符 2"/>
+          <p:cNvSpPr>
+            <a:spLocks noGrp="1"/>
+          </p:cNvSpPr>
+          <p:nvPr>
+            <p:ph idx="1"/>
+          </p:nvPr>
+        </p:nvSpPr>
+        <p:spPr/>
+        <p:txBody>
+          <a:bodyPr/>
+          <a:lstStyle/>
+          <a:p>
+            <a:endParaRPr lang="zh-CN" altLang="en-US"/>
+          </a:p>
+        </p:txBody>
+      </p:sp>
+    </p:spTree>
+    <p:extLst>
+      <p:ext uri="{BB962C8B-B14F-4D97-AF65-F5344CB8AC3E}">
+        <p14:creationId xmlns:p14="http://schemas.microsoft.com/office/powerpoint/2010/main" val="4177984598"/>
       </p:ext>
     </p:extLst>
   </p:cSld>
